--- a/Vu_Dinh_Thang/Docker.pptx
+++ b/Vu_Dinh_Thang/Docker.pptx
@@ -6,11 +6,11 @@
   </p:sldMasterIdLst>
   <p:sldIdLst>
     <p:sldId id="256" r:id="rId2"/>
-    <p:sldId id="257" r:id="rId3"/>
-    <p:sldId id="258" r:id="rId4"/>
-    <p:sldId id="259" r:id="rId5"/>
-    <p:sldId id="260" r:id="rId6"/>
-    <p:sldId id="261" r:id="rId7"/>
+    <p:sldId id="266" r:id="rId3"/>
+    <p:sldId id="257" r:id="rId4"/>
+    <p:sldId id="258" r:id="rId5"/>
+    <p:sldId id="259" r:id="rId6"/>
+    <p:sldId id="260" r:id="rId7"/>
     <p:sldId id="262" r:id="rId8"/>
     <p:sldId id="263" r:id="rId9"/>
     <p:sldId id="264" r:id="rId10"/>
@@ -297,7 +297,7 @@
           <a:p>
             <a:fld id="{82F01162-CDFA-4EC2-8B8D-5BFCF135C191}" type="datetimeFigureOut">
               <a:rPr lang="en-US" smtClean="0"/>
-              <a:t>9/13/2014</a:t>
+              <a:t>9/22/2014</a:t>
             </a:fld>
             <a:endParaRPr lang="en-US"/>
           </a:p>
@@ -467,7 +467,7 @@
           <a:p>
             <a:fld id="{82F01162-CDFA-4EC2-8B8D-5BFCF135C191}" type="datetimeFigureOut">
               <a:rPr lang="en-US" smtClean="0"/>
-              <a:t>9/13/2014</a:t>
+              <a:t>9/22/2014</a:t>
             </a:fld>
             <a:endParaRPr lang="en-US"/>
           </a:p>
@@ -647,7 +647,7 @@
           <a:p>
             <a:fld id="{82F01162-CDFA-4EC2-8B8D-5BFCF135C191}" type="datetimeFigureOut">
               <a:rPr lang="en-US" smtClean="0"/>
-              <a:t>9/13/2014</a:t>
+              <a:t>9/22/2014</a:t>
             </a:fld>
             <a:endParaRPr lang="en-US"/>
           </a:p>
@@ -817,7 +817,7 @@
           <a:p>
             <a:fld id="{82F01162-CDFA-4EC2-8B8D-5BFCF135C191}" type="datetimeFigureOut">
               <a:rPr lang="en-US" smtClean="0"/>
-              <a:t>9/13/2014</a:t>
+              <a:t>9/22/2014</a:t>
             </a:fld>
             <a:endParaRPr lang="en-US"/>
           </a:p>
@@ -1063,7 +1063,7 @@
           <a:p>
             <a:fld id="{82F01162-CDFA-4EC2-8B8D-5BFCF135C191}" type="datetimeFigureOut">
               <a:rPr lang="en-US" smtClean="0"/>
-              <a:t>9/13/2014</a:t>
+              <a:t>9/22/2014</a:t>
             </a:fld>
             <a:endParaRPr lang="en-US"/>
           </a:p>
@@ -1351,7 +1351,7 @@
           <a:p>
             <a:fld id="{82F01162-CDFA-4EC2-8B8D-5BFCF135C191}" type="datetimeFigureOut">
               <a:rPr lang="en-US" smtClean="0"/>
-              <a:t>9/13/2014</a:t>
+              <a:t>9/22/2014</a:t>
             </a:fld>
             <a:endParaRPr lang="en-US"/>
           </a:p>
@@ -1773,7 +1773,7 @@
           <a:p>
             <a:fld id="{82F01162-CDFA-4EC2-8B8D-5BFCF135C191}" type="datetimeFigureOut">
               <a:rPr lang="en-US" smtClean="0"/>
-              <a:t>9/13/2014</a:t>
+              <a:t>9/22/2014</a:t>
             </a:fld>
             <a:endParaRPr lang="en-US"/>
           </a:p>
@@ -1891,7 +1891,7 @@
           <a:p>
             <a:fld id="{82F01162-CDFA-4EC2-8B8D-5BFCF135C191}" type="datetimeFigureOut">
               <a:rPr lang="en-US" smtClean="0"/>
-              <a:t>9/13/2014</a:t>
+              <a:t>9/22/2014</a:t>
             </a:fld>
             <a:endParaRPr lang="en-US"/>
           </a:p>
@@ -1986,7 +1986,7 @@
           <a:p>
             <a:fld id="{82F01162-CDFA-4EC2-8B8D-5BFCF135C191}" type="datetimeFigureOut">
               <a:rPr lang="en-US" smtClean="0"/>
-              <a:t>9/13/2014</a:t>
+              <a:t>9/22/2014</a:t>
             </a:fld>
             <a:endParaRPr lang="en-US"/>
           </a:p>
@@ -2263,7 +2263,7 @@
           <a:p>
             <a:fld id="{82F01162-CDFA-4EC2-8B8D-5BFCF135C191}" type="datetimeFigureOut">
               <a:rPr lang="en-US" smtClean="0"/>
-              <a:t>9/13/2014</a:t>
+              <a:t>9/22/2014</a:t>
             </a:fld>
             <a:endParaRPr lang="en-US"/>
           </a:p>
@@ -2516,7 +2516,7 @@
           <a:p>
             <a:fld id="{82F01162-CDFA-4EC2-8B8D-5BFCF135C191}" type="datetimeFigureOut">
               <a:rPr lang="en-US" smtClean="0"/>
-              <a:t>9/13/2014</a:t>
+              <a:t>9/22/2014</a:t>
             </a:fld>
             <a:endParaRPr lang="en-US"/>
           </a:p>
@@ -2729,7 +2729,7 @@
           <a:p>
             <a:fld id="{82F01162-CDFA-4EC2-8B8D-5BFCF135C191}" type="datetimeFigureOut">
               <a:rPr lang="en-US" smtClean="0"/>
-              <a:t>9/13/2014</a:t>
+              <a:t>9/22/2014</a:t>
             </a:fld>
             <a:endParaRPr lang="en-US"/>
           </a:p>
@@ -3121,14 +3121,14 @@
           <a:p>
             <a:r>
               <a:rPr lang="en-US" dirty="0" smtClean="0">
-                <a:latin typeface="Times New Roman" pitchFamily="18" charset="0"/>
-                <a:cs typeface="Times New Roman" pitchFamily="18" charset="0"/>
+                <a:latin typeface="Arial" pitchFamily="34" charset="0"/>
+                <a:cs typeface="Arial" pitchFamily="34" charset="0"/>
               </a:rPr>
               <a:t>Các vấn đề hiện đại của công nghệ phần mềm</a:t>
             </a:r>
             <a:endParaRPr lang="en-US" dirty="0">
-              <a:latin typeface="Times New Roman" pitchFamily="18" charset="0"/>
-              <a:cs typeface="Times New Roman" pitchFamily="18" charset="0"/>
+              <a:latin typeface="Arial" pitchFamily="34" charset="0"/>
+              <a:cs typeface="Arial" pitchFamily="34" charset="0"/>
             </a:endParaRPr>
           </a:p>
         </p:txBody>
@@ -3160,8 +3160,8 @@
                 <a:solidFill>
                   <a:srgbClr val="00B050"/>
                 </a:solidFill>
-                <a:latin typeface="Times New Roman" pitchFamily="18" charset="0"/>
-                <a:cs typeface="Times New Roman" pitchFamily="18" charset="0"/>
+                <a:latin typeface="Arial" pitchFamily="34" charset="0"/>
+                <a:cs typeface="Arial" pitchFamily="34" charset="0"/>
               </a:rPr>
               <a:t>Docker: Phát triển và tương lai</a:t>
             </a:r>
@@ -3169,8 +3169,8 @@
               <a:solidFill>
                 <a:srgbClr val="00B050"/>
               </a:solidFill>
-              <a:latin typeface="Times New Roman" pitchFamily="18" charset="0"/>
-              <a:cs typeface="Times New Roman" pitchFamily="18" charset="0"/>
+              <a:latin typeface="Arial" pitchFamily="34" charset="0"/>
+              <a:cs typeface="Arial" pitchFamily="34" charset="0"/>
             </a:endParaRPr>
           </a:p>
         </p:txBody>
@@ -3285,22 +3285,222 @@
           <a:lstStyle/>
           <a:p>
             <a:r>
+              <a:rPr lang="en-US" dirty="0" err="1" smtClean="0"/>
+              <a:t>Nội</a:t>
+            </a:r>
+            <a:r>
+              <a:rPr lang="en-US" dirty="0" smtClean="0"/>
+              <a:t> dung</a:t>
+            </a:r>
+            <a:endParaRPr lang="en-US" dirty="0"/>
+          </a:p>
+        </p:txBody>
+      </p:sp>
+      <p:sp>
+        <p:nvSpPr>
+          <p:cNvPr id="3" name="Content Placeholder 2"/>
+          <p:cNvSpPr>
+            <a:spLocks noGrp="1"/>
+          </p:cNvSpPr>
+          <p:nvPr>
+            <p:ph idx="1"/>
+          </p:nvPr>
+        </p:nvSpPr>
+        <p:spPr/>
+        <p:txBody>
+          <a:bodyPr/>
+          <a:lstStyle/>
+          <a:p>
+            <a:pPr marL="514350" indent="-514350">
+              <a:buFont typeface="+mj-lt"/>
+              <a:buAutoNum type="arabicPeriod"/>
+            </a:pPr>
+            <a:r>
+              <a:rPr lang="en-US" dirty="0" err="1" smtClean="0"/>
+              <a:t>Khái</a:t>
+            </a:r>
+            <a:r>
+              <a:rPr lang="en-US" dirty="0" smtClean="0"/>
+              <a:t> </a:t>
+            </a:r>
+            <a:r>
+              <a:rPr lang="en-US" dirty="0" err="1" smtClean="0"/>
+              <a:t>niệm</a:t>
+            </a:r>
+            <a:r>
+              <a:rPr lang="en-US" dirty="0" smtClean="0"/>
+              <a:t> </a:t>
+            </a:r>
+            <a:r>
+              <a:rPr lang="en-US" dirty="0" err="1" smtClean="0"/>
+              <a:t>cơ</a:t>
+            </a:r>
+            <a:r>
+              <a:rPr lang="en-US" dirty="0" smtClean="0"/>
+              <a:t> </a:t>
+            </a:r>
+            <a:r>
+              <a:rPr lang="en-US" dirty="0" err="1" smtClean="0"/>
+              <a:t>bản</a:t>
+            </a:r>
+            <a:endParaRPr lang="en-US" dirty="0" smtClean="0"/>
+          </a:p>
+          <a:p>
+            <a:pPr marL="514350" indent="-514350">
+              <a:buFont typeface="+mj-lt"/>
+              <a:buAutoNum type="arabicPeriod"/>
+            </a:pPr>
+            <a:r>
+              <a:rPr lang="en-US" dirty="0" err="1" smtClean="0"/>
+              <a:t>Tổng</a:t>
+            </a:r>
+            <a:r>
+              <a:rPr lang="en-US" dirty="0" smtClean="0"/>
+              <a:t> </a:t>
+            </a:r>
+            <a:r>
+              <a:rPr lang="en-US" dirty="0" err="1" smtClean="0"/>
+              <a:t>quan</a:t>
+            </a:r>
+            <a:r>
+              <a:rPr lang="en-US" dirty="0" smtClean="0"/>
+              <a:t> </a:t>
+            </a:r>
+            <a:r>
+              <a:rPr lang="en-US" dirty="0" err="1" smtClean="0"/>
+              <a:t>về</a:t>
+            </a:r>
+            <a:r>
+              <a:rPr lang="en-US" dirty="0" smtClean="0"/>
+              <a:t> </a:t>
+            </a:r>
+            <a:r>
+              <a:rPr lang="en-US" dirty="0" err="1" smtClean="0"/>
+              <a:t>Docker</a:t>
+            </a:r>
+            <a:endParaRPr lang="en-US" dirty="0" smtClean="0"/>
+          </a:p>
+          <a:p>
+            <a:pPr marL="514350" indent="-514350">
+              <a:buFont typeface="+mj-lt"/>
+              <a:buAutoNum type="arabicPeriod"/>
+            </a:pPr>
+            <a:r>
+              <a:rPr lang="en-US" dirty="0" err="1" smtClean="0"/>
+              <a:t>Ứng</a:t>
+            </a:r>
+            <a:r>
+              <a:rPr lang="en-US" dirty="0" smtClean="0"/>
+              <a:t> </a:t>
+            </a:r>
+            <a:r>
+              <a:rPr lang="en-US" dirty="0" err="1" smtClean="0"/>
+              <a:t>dụng</a:t>
+            </a:r>
+            <a:r>
+              <a:rPr lang="en-US" dirty="0" smtClean="0"/>
+              <a:t> </a:t>
+            </a:r>
+            <a:r>
+              <a:rPr lang="en-US" dirty="0" err="1" smtClean="0"/>
+              <a:t>của</a:t>
+            </a:r>
+            <a:r>
+              <a:rPr lang="en-US" dirty="0" smtClean="0"/>
+              <a:t> </a:t>
+            </a:r>
+            <a:r>
+              <a:rPr lang="en-US" dirty="0" err="1" smtClean="0"/>
+              <a:t>Docker</a:t>
+            </a:r>
+            <a:endParaRPr lang="en-US" dirty="0" smtClean="0"/>
+          </a:p>
+          <a:p>
+            <a:pPr marL="514350" indent="-514350">
+              <a:buFont typeface="+mj-lt"/>
+              <a:buAutoNum type="arabicPeriod"/>
+            </a:pPr>
+            <a:r>
+              <a:rPr lang="en-US" dirty="0" err="1" smtClean="0"/>
+              <a:t>Kết</a:t>
+            </a:r>
+            <a:r>
+              <a:rPr lang="en-US" dirty="0" smtClean="0"/>
+              <a:t> </a:t>
+            </a:r>
+            <a:r>
+              <a:rPr lang="en-US" dirty="0" err="1" smtClean="0"/>
+              <a:t>luận</a:t>
+            </a:r>
+            <a:endParaRPr lang="en-US" dirty="0" smtClean="0"/>
+          </a:p>
+          <a:p>
+            <a:endParaRPr lang="en-US" dirty="0"/>
+          </a:p>
+        </p:txBody>
+      </p:sp>
+    </p:spTree>
+    <p:extLst>
+      <p:ext uri="{BB962C8B-B14F-4D97-AF65-F5344CB8AC3E}">
+        <p14:creationId xmlns:p14="http://schemas.microsoft.com/office/powerpoint/2010/main" val="1029250853"/>
+      </p:ext>
+    </p:extLst>
+  </p:cSld>
+  <p:clrMapOvr>
+    <a:masterClrMapping/>
+  </p:clrMapOvr>
+</p:sld>
+</file>
+
+<file path=ppt/slides/slide3.xml><?xml version="1.0" encoding="utf-8"?>
+<p:sld xmlns:a="http://schemas.openxmlformats.org/drawingml/2006/main" xmlns:r="http://schemas.openxmlformats.org/officeDocument/2006/relationships" xmlns:p="http://schemas.openxmlformats.org/presentationml/2006/main">
+  <p:cSld>
+    <p:spTree>
+      <p:nvGrpSpPr>
+        <p:cNvPr id="1" name=""/>
+        <p:cNvGrpSpPr/>
+        <p:nvPr/>
+      </p:nvGrpSpPr>
+      <p:grpSpPr>
+        <a:xfrm>
+          <a:off x="0" y="0"/>
+          <a:ext cx="0" cy="0"/>
+          <a:chOff x="0" y="0"/>
+          <a:chExt cx="0" cy="0"/>
+        </a:xfrm>
+      </p:grpSpPr>
+      <p:sp>
+        <p:nvSpPr>
+          <p:cNvPr id="2" name="Title 1"/>
+          <p:cNvSpPr>
+            <a:spLocks noGrp="1"/>
+          </p:cNvSpPr>
+          <p:nvPr>
+            <p:ph type="title"/>
+          </p:nvPr>
+        </p:nvSpPr>
+        <p:spPr/>
+        <p:txBody>
+          <a:bodyPr/>
+          <a:lstStyle/>
+          <a:p>
+            <a:r>
               <a:rPr lang="en-US" dirty="0">
-                <a:latin typeface="Times New Roman" pitchFamily="18" charset="0"/>
-                <a:cs typeface="Times New Roman" pitchFamily="18" charset="0"/>
+                <a:latin typeface="Arial" pitchFamily="34" charset="0"/>
+                <a:cs typeface="Arial" pitchFamily="34" charset="0"/>
               </a:rPr>
               <a:t> </a:t>
             </a:r>
             <a:r>
               <a:rPr lang="en-US" dirty="0" smtClean="0">
-                <a:latin typeface="Times New Roman" pitchFamily="18" charset="0"/>
-                <a:cs typeface="Times New Roman" pitchFamily="18" charset="0"/>
+                <a:latin typeface="Arial" pitchFamily="34" charset="0"/>
+                <a:cs typeface="Arial" pitchFamily="34" charset="0"/>
               </a:rPr>
               <a:t>Khái niệm (1)</a:t>
             </a:r>
             <a:endParaRPr lang="en-US" dirty="0">
-              <a:latin typeface="Times New Roman" pitchFamily="18" charset="0"/>
-              <a:cs typeface="Times New Roman" pitchFamily="18" charset="0"/>
+              <a:latin typeface="Arial" pitchFamily="34" charset="0"/>
+              <a:cs typeface="Arial" pitchFamily="34" charset="0"/>
             </a:endParaRPr>
           </a:p>
         </p:txBody>
@@ -3347,7 +3547,7 @@
 </p:sld>
 </file>
 
-<file path=ppt/slides/slide3.xml><?xml version="1.0" encoding="utf-8"?>
+<file path=ppt/slides/slide4.xml><?xml version="1.0" encoding="utf-8"?>
 <p:sld xmlns:a="http://schemas.openxmlformats.org/drawingml/2006/main" xmlns:r="http://schemas.openxmlformats.org/officeDocument/2006/relationships" xmlns:p="http://schemas.openxmlformats.org/presentationml/2006/main">
   <p:cSld>
     <p:spTree>
@@ -3381,14 +3581,14 @@
           <a:p>
             <a:r>
               <a:rPr lang="en-US" dirty="0" smtClean="0">
-                <a:latin typeface="Times New Roman" pitchFamily="18" charset="0"/>
-                <a:cs typeface="Times New Roman" pitchFamily="18" charset="0"/>
+                <a:latin typeface="Arial" pitchFamily="34" charset="0"/>
+                <a:cs typeface="Arial" pitchFamily="34" charset="0"/>
               </a:rPr>
               <a:t>Khái  niệm (2)</a:t>
             </a:r>
             <a:endParaRPr lang="en-US" dirty="0">
-              <a:latin typeface="Times New Roman" pitchFamily="18" charset="0"/>
-              <a:cs typeface="Times New Roman" pitchFamily="18" charset="0"/>
+              <a:latin typeface="Arial" pitchFamily="34" charset="0"/>
+              <a:cs typeface="Arial" pitchFamily="34" charset="0"/>
             </a:endParaRPr>
           </a:p>
         </p:txBody>
@@ -3415,15 +3615,15 @@
           <a:p>
             <a:r>
               <a:rPr lang="en-US" dirty="0">
-                <a:latin typeface="Times New Roman" pitchFamily="18" charset="0"/>
-                <a:cs typeface="Times New Roman" pitchFamily="18" charset="0"/>
+                <a:latin typeface="Arial" pitchFamily="34" charset="0"/>
+                <a:cs typeface="Arial" pitchFamily="34" charset="0"/>
               </a:rPr>
               <a:t>Docker là một bộ công cụ cho Linux được thiết kế để “xây dựng, đóng gói và chạy” ứng dụng phân </a:t>
             </a:r>
             <a:r>
               <a:rPr lang="en-US" dirty="0" smtClean="0">
-                <a:latin typeface="Times New Roman" pitchFamily="18" charset="0"/>
-                <a:cs typeface="Times New Roman" pitchFamily="18" charset="0"/>
+                <a:latin typeface="Arial" pitchFamily="34" charset="0"/>
+                <a:cs typeface="Arial" pitchFamily="34" charset="0"/>
               </a:rPr>
               <a:t>tán</a:t>
             </a:r>
@@ -3431,15 +3631,11 @@
           <a:p>
             <a:r>
               <a:rPr lang="en-US" dirty="0">
-                <a:latin typeface="Times New Roman" pitchFamily="18" charset="0"/>
-                <a:cs typeface="Times New Roman" pitchFamily="18" charset="0"/>
+                <a:latin typeface="Arial" pitchFamily="34" charset="0"/>
+                <a:cs typeface="Arial" pitchFamily="34" charset="0"/>
               </a:rPr>
               <a:t>Dự án nhanh chóng được phổ biến, dẫn đến DotCloud đổi tên thành Docker Inc. Vào tháng 6 năm 2014, phiên bản đầu tiên được phát hành với tên gọi là Docker 1.0.</a:t>
             </a:r>
-            <a:endParaRPr lang="en-US" dirty="0">
-              <a:latin typeface="Times New Roman" pitchFamily="18" charset="0"/>
-              <a:cs typeface="Times New Roman" pitchFamily="18" charset="0"/>
-            </a:endParaRPr>
           </a:p>
         </p:txBody>
       </p:sp>
@@ -3524,18 +3720,11 @@
                 <a:solidFill>
                   <a:srgbClr val="FFFF00"/>
                 </a:solidFill>
-                <a:latin typeface="Times New Roman" pitchFamily="18" charset="0"/>
-                <a:cs typeface="Times New Roman" pitchFamily="18" charset="0"/>
+                <a:latin typeface="Arial" pitchFamily="34" charset="0"/>
+                <a:cs typeface="Arial" pitchFamily="34" charset="0"/>
               </a:rPr>
               <a:t>Docker đã trở thành một trong những dự án mã nguồn mở phổ biến nhất. Điều đó đã thu hút sự ủng hộ của rất nhiều thương hiệu nối tiếng bao gồm Amazon, CenturyLink, Google, IBM, Microsoft, Vmware</a:t>
             </a:r>
-            <a:endParaRPr lang="en-US" dirty="0">
-              <a:solidFill>
-                <a:srgbClr val="FFFF00"/>
-              </a:solidFill>
-              <a:latin typeface="Times New Roman" pitchFamily="18" charset="0"/>
-              <a:cs typeface="Times New Roman" pitchFamily="18" charset="0"/>
-            </a:endParaRPr>
           </a:p>
         </p:txBody>
       </p:sp>
@@ -3543,94 +3732,6 @@
     <p:extLst>
       <p:ext uri="{BB962C8B-B14F-4D97-AF65-F5344CB8AC3E}">
         <p14:creationId xmlns:p14="http://schemas.microsoft.com/office/powerpoint/2010/main" val="582855312"/>
-      </p:ext>
-    </p:extLst>
-  </p:cSld>
-  <p:clrMapOvr>
-    <a:masterClrMapping/>
-  </p:clrMapOvr>
-</p:sld>
-</file>
-
-<file path=ppt/slides/slide4.xml><?xml version="1.0" encoding="utf-8"?>
-<p:sld xmlns:a="http://schemas.openxmlformats.org/drawingml/2006/main" xmlns:r="http://schemas.openxmlformats.org/officeDocument/2006/relationships" xmlns:p="http://schemas.openxmlformats.org/presentationml/2006/main">
-  <p:cSld>
-    <p:spTree>
-      <p:nvGrpSpPr>
-        <p:cNvPr id="1" name=""/>
-        <p:cNvGrpSpPr/>
-        <p:nvPr/>
-      </p:nvGrpSpPr>
-      <p:grpSpPr>
-        <a:xfrm>
-          <a:off x="0" y="0"/>
-          <a:ext cx="0" cy="0"/>
-          <a:chOff x="0" y="0"/>
-          <a:chExt cx="0" cy="0"/>
-        </a:xfrm>
-      </p:grpSpPr>
-      <p:sp>
-        <p:nvSpPr>
-          <p:cNvPr id="2" name="Title 1"/>
-          <p:cNvSpPr>
-            <a:spLocks noGrp="1"/>
-          </p:cNvSpPr>
-          <p:nvPr>
-            <p:ph type="title"/>
-          </p:nvPr>
-        </p:nvSpPr>
-        <p:spPr/>
-        <p:txBody>
-          <a:bodyPr/>
-          <a:lstStyle/>
-          <a:p>
-            <a:r>
-              <a:rPr lang="en-US" dirty="0" smtClean="0">
-                <a:latin typeface="Times New Roman" pitchFamily="18" charset="0"/>
-                <a:cs typeface="Times New Roman" pitchFamily="18" charset="0"/>
-              </a:rPr>
-              <a:t>Tổng quan về Docker (1)</a:t>
-            </a:r>
-            <a:endParaRPr lang="en-US" dirty="0">
-              <a:latin typeface="Times New Roman" pitchFamily="18" charset="0"/>
-              <a:cs typeface="Times New Roman" pitchFamily="18" charset="0"/>
-            </a:endParaRPr>
-          </a:p>
-        </p:txBody>
-      </p:sp>
-      <p:sp>
-        <p:nvSpPr>
-          <p:cNvPr id="3" name="Content Placeholder 2"/>
-          <p:cNvSpPr>
-            <a:spLocks noGrp="1"/>
-          </p:cNvSpPr>
-          <p:nvPr>
-            <p:ph idx="1"/>
-          </p:nvPr>
-        </p:nvSpPr>
-        <p:spPr/>
-        <p:txBody>
-          <a:bodyPr/>
-          <a:lstStyle/>
-          <a:p>
-            <a:r>
-              <a:rPr lang="en-US" dirty="0">
-                <a:latin typeface="Times New Roman" pitchFamily="18" charset="0"/>
-                <a:cs typeface="Times New Roman" pitchFamily="18" charset="0"/>
-              </a:rPr>
-              <a:t>Docker sử dụng các cơ sở hạt nhân Linux như cGroups, namespaces và SELinux để cung cấp cách ly giữa các Container. Lúc đầu Docker là một kết thúc cho các hệ thống quản lý container LXC nhưng sau đó sử dụng để cung cấp giao diện giữa không gian sử dụng và hạt nhân</a:t>
-            </a:r>
-            <a:endParaRPr lang="en-US" dirty="0">
-              <a:latin typeface="Times New Roman" pitchFamily="18" charset="0"/>
-              <a:cs typeface="Times New Roman" pitchFamily="18" charset="0"/>
-            </a:endParaRPr>
-          </a:p>
-        </p:txBody>
-      </p:sp>
-    </p:spTree>
-    <p:extLst>
-      <p:ext uri="{BB962C8B-B14F-4D97-AF65-F5344CB8AC3E}">
-        <p14:creationId xmlns:p14="http://schemas.microsoft.com/office/powerpoint/2010/main" val="3308924851"/>
       </p:ext>
     </p:extLst>
   </p:cSld>
@@ -3674,14 +3775,98 @@
           <a:p>
             <a:r>
               <a:rPr lang="en-US" dirty="0" smtClean="0">
-                <a:latin typeface="Times New Roman" pitchFamily="18" charset="0"/>
-                <a:cs typeface="Times New Roman" pitchFamily="18" charset="0"/>
+                <a:latin typeface="Arial" pitchFamily="34" charset="0"/>
+                <a:cs typeface="Arial" pitchFamily="34" charset="0"/>
+              </a:rPr>
+              <a:t>Tổng quan về Docker (1)</a:t>
+            </a:r>
+            <a:endParaRPr lang="en-US" dirty="0">
+              <a:latin typeface="Arial" pitchFamily="34" charset="0"/>
+              <a:cs typeface="Arial" pitchFamily="34" charset="0"/>
+            </a:endParaRPr>
+          </a:p>
+        </p:txBody>
+      </p:sp>
+      <p:sp>
+        <p:nvSpPr>
+          <p:cNvPr id="3" name="Content Placeholder 2"/>
+          <p:cNvSpPr>
+            <a:spLocks noGrp="1"/>
+          </p:cNvSpPr>
+          <p:nvPr>
+            <p:ph idx="1"/>
+          </p:nvPr>
+        </p:nvSpPr>
+        <p:spPr/>
+        <p:txBody>
+          <a:bodyPr/>
+          <a:lstStyle/>
+          <a:p>
+            <a:r>
+              <a:rPr lang="en-US" dirty="0">
+                <a:latin typeface="Arial" pitchFamily="34" charset="0"/>
+                <a:cs typeface="Arial" pitchFamily="34" charset="0"/>
+              </a:rPr>
+              <a:t>Docker sử dụng các cơ sở hạt nhân Linux như cGroups, namespaces và SELinux để cung cấp cách ly giữa các Container. Lúc đầu Docker là một kết thúc cho các hệ thống quản lý container LXC nhưng sau đó sử dụng để cung cấp giao diện giữa không gian sử dụng và hạt nhân</a:t>
+            </a:r>
+          </a:p>
+        </p:txBody>
+      </p:sp>
+    </p:spTree>
+    <p:extLst>
+      <p:ext uri="{BB962C8B-B14F-4D97-AF65-F5344CB8AC3E}">
+        <p14:creationId xmlns:p14="http://schemas.microsoft.com/office/powerpoint/2010/main" val="3308924851"/>
+      </p:ext>
+    </p:extLst>
+  </p:cSld>
+  <p:clrMapOvr>
+    <a:masterClrMapping/>
+  </p:clrMapOvr>
+</p:sld>
+</file>
+
+<file path=ppt/slides/slide6.xml><?xml version="1.0" encoding="utf-8"?>
+<p:sld xmlns:a="http://schemas.openxmlformats.org/drawingml/2006/main" xmlns:r="http://schemas.openxmlformats.org/officeDocument/2006/relationships" xmlns:p="http://schemas.openxmlformats.org/presentationml/2006/main">
+  <p:cSld>
+    <p:spTree>
+      <p:nvGrpSpPr>
+        <p:cNvPr id="1" name=""/>
+        <p:cNvGrpSpPr/>
+        <p:nvPr/>
+      </p:nvGrpSpPr>
+      <p:grpSpPr>
+        <a:xfrm>
+          <a:off x="0" y="0"/>
+          <a:ext cx="0" cy="0"/>
+          <a:chOff x="0" y="0"/>
+          <a:chExt cx="0" cy="0"/>
+        </a:xfrm>
+      </p:grpSpPr>
+      <p:sp>
+        <p:nvSpPr>
+          <p:cNvPr id="2" name="Title 1"/>
+          <p:cNvSpPr>
+            <a:spLocks noGrp="1"/>
+          </p:cNvSpPr>
+          <p:nvPr>
+            <p:ph type="title"/>
+          </p:nvPr>
+        </p:nvSpPr>
+        <p:spPr/>
+        <p:txBody>
+          <a:bodyPr/>
+          <a:lstStyle/>
+          <a:p>
+            <a:r>
+              <a:rPr lang="en-US" dirty="0" smtClean="0">
+                <a:latin typeface="Arial" pitchFamily="34" charset="0"/>
+                <a:cs typeface="Arial" pitchFamily="34" charset="0"/>
               </a:rPr>
               <a:t>Tổng quan về Docker (2)</a:t>
             </a:r>
             <a:endParaRPr lang="en-US" dirty="0">
-              <a:latin typeface="Times New Roman" pitchFamily="18" charset="0"/>
-              <a:cs typeface="Times New Roman" pitchFamily="18" charset="0"/>
+              <a:latin typeface="Arial" pitchFamily="34" charset="0"/>
+              <a:cs typeface="Arial" pitchFamily="34" charset="0"/>
             </a:endParaRPr>
           </a:p>
         </p:txBody>
@@ -3708,29 +3893,25 @@
           <a:p>
             <a:r>
               <a:rPr lang="en-US" dirty="0">
-                <a:latin typeface="Times New Roman" pitchFamily="18" charset="0"/>
-                <a:cs typeface="Times New Roman" pitchFamily="18" charset="0"/>
+                <a:latin typeface="Arial" pitchFamily="34" charset="0"/>
+                <a:cs typeface="Arial" pitchFamily="34" charset="0"/>
               </a:rPr>
               <a:t>Container là một hệ thống cho phép chia sẻ các thành phần trong hệ thống các tệp của hệ điều hành. Phương pháp phân lớp trong hệ thống tập tin cũng được khai thác bởi công cụ </a:t>
             </a:r>
             <a:r>
               <a:rPr lang="en-US" dirty="0" smtClean="0">
-                <a:latin typeface="Times New Roman" pitchFamily="18" charset="0"/>
-                <a:cs typeface="Times New Roman" pitchFamily="18" charset="0"/>
+                <a:latin typeface="Arial" pitchFamily="34" charset="0"/>
+                <a:cs typeface="Arial" pitchFamily="34" charset="0"/>
               </a:rPr>
               <a:t>Dockerfile </a:t>
             </a:r>
             <a:r>
               <a:rPr lang="en-US" dirty="0">
-                <a:latin typeface="Times New Roman" pitchFamily="18" charset="0"/>
-                <a:cs typeface="Times New Roman" pitchFamily="18" charset="0"/>
+                <a:latin typeface="Arial" pitchFamily="34" charset="0"/>
+                <a:cs typeface="Arial" pitchFamily="34" charset="0"/>
               </a:rPr>
               <a:t>DevOps</a:t>
             </a:r>
-            <a:endParaRPr lang="en-US" dirty="0">
-              <a:latin typeface="Times New Roman" pitchFamily="18" charset="0"/>
-              <a:cs typeface="Times New Roman" pitchFamily="18" charset="0"/>
-            </a:endParaRPr>
           </a:p>
         </p:txBody>
       </p:sp>
@@ -3777,59 +3958,6 @@
 </p:sld>
 </file>
 
-<file path=ppt/slides/slide6.xml><?xml version="1.0" encoding="utf-8"?>
-<p:sld xmlns:a="http://schemas.openxmlformats.org/drawingml/2006/main" xmlns:r="http://schemas.openxmlformats.org/officeDocument/2006/relationships" xmlns:p="http://schemas.openxmlformats.org/presentationml/2006/main">
-  <p:cSld>
-    <p:spTree>
-      <p:nvGrpSpPr>
-        <p:cNvPr id="1" name=""/>
-        <p:cNvGrpSpPr/>
-        <p:nvPr/>
-      </p:nvGrpSpPr>
-      <p:grpSpPr>
-        <a:xfrm>
-          <a:off x="0" y="0"/>
-          <a:ext cx="0" cy="0"/>
-          <a:chOff x="0" y="0"/>
-          <a:chExt cx="0" cy="0"/>
-        </a:xfrm>
-      </p:grpSpPr>
-      <p:sp>
-        <p:nvSpPr>
-          <p:cNvPr id="2" name="Title 1"/>
-          <p:cNvSpPr>
-            <a:spLocks noGrp="1"/>
-          </p:cNvSpPr>
-          <p:nvPr>
-            <p:ph type="title"/>
-          </p:nvPr>
-        </p:nvSpPr>
-        <p:spPr/>
-        <p:txBody>
-          <a:bodyPr/>
-          <a:lstStyle/>
-          <a:p>
-            <a:r>
-              <a:rPr lang="en-US" dirty="0" smtClean="0"/>
-              <a:t>Tổng quan về Docker (3)</a:t>
-            </a:r>
-            <a:endParaRPr lang="en-US" dirty="0"/>
-          </a:p>
-        </p:txBody>
-      </p:sp>
-    </p:spTree>
-    <p:extLst>
-      <p:ext uri="{BB962C8B-B14F-4D97-AF65-F5344CB8AC3E}">
-        <p14:creationId xmlns:p14="http://schemas.microsoft.com/office/powerpoint/2010/main" val="621538568"/>
-      </p:ext>
-    </p:extLst>
-  </p:cSld>
-  <p:clrMapOvr>
-    <a:masterClrMapping/>
-  </p:clrMapOvr>
-</p:sld>
-</file>
-
 <file path=ppt/slides/slide7.xml><?xml version="1.0" encoding="utf-8"?>
 <p:sld xmlns:a="http://schemas.openxmlformats.org/drawingml/2006/main" xmlns:r="http://schemas.openxmlformats.org/officeDocument/2006/relationships" xmlns:p="http://schemas.openxmlformats.org/presentationml/2006/main">
   <p:cSld>
@@ -3864,14 +3992,14 @@
           <a:p>
             <a:r>
               <a:rPr lang="en-US" dirty="0" smtClean="0">
-                <a:latin typeface="Times New Roman" pitchFamily="18" charset="0"/>
-                <a:cs typeface="Times New Roman" pitchFamily="18" charset="0"/>
+                <a:latin typeface="Arial" pitchFamily="34" charset="0"/>
+                <a:cs typeface="Arial" pitchFamily="34" charset="0"/>
               </a:rPr>
               <a:t>So sánh Container và máy ảo</a:t>
             </a:r>
             <a:endParaRPr lang="en-US" dirty="0">
-              <a:latin typeface="Times New Roman" pitchFamily="18" charset="0"/>
-              <a:cs typeface="Times New Roman" pitchFamily="18" charset="0"/>
+              <a:latin typeface="Arial" pitchFamily="34" charset="0"/>
+              <a:cs typeface="Arial" pitchFamily="34" charset="0"/>
             </a:endParaRPr>
           </a:p>
         </p:txBody>
@@ -3894,14 +4022,14 @@
             <a:pPr algn="ctr"/>
             <a:r>
               <a:rPr lang="en-US" dirty="0" smtClean="0">
-                <a:latin typeface="Times New Roman" pitchFamily="18" charset="0"/>
-                <a:cs typeface="Times New Roman" pitchFamily="18" charset="0"/>
+                <a:latin typeface="Arial" pitchFamily="34" charset="0"/>
+                <a:cs typeface="Arial" pitchFamily="34" charset="0"/>
               </a:rPr>
               <a:t>Ưu điểm	</a:t>
             </a:r>
             <a:endParaRPr lang="en-US" dirty="0">
-              <a:latin typeface="Times New Roman" pitchFamily="18" charset="0"/>
-              <a:cs typeface="Times New Roman" pitchFamily="18" charset="0"/>
+              <a:latin typeface="Arial" pitchFamily="34" charset="0"/>
+              <a:cs typeface="Arial" pitchFamily="34" charset="0"/>
             </a:endParaRPr>
           </a:p>
         </p:txBody>
@@ -3923,8 +4051,8 @@
           <a:p>
             <a:r>
               <a:rPr lang="en-US" dirty="0" smtClean="0">
-                <a:latin typeface="Times New Roman" pitchFamily="18" charset="0"/>
-                <a:cs typeface="Times New Roman" pitchFamily="18" charset="0"/>
+                <a:latin typeface="Arial" pitchFamily="34" charset="0"/>
+                <a:cs typeface="Arial" pitchFamily="34" charset="0"/>
               </a:rPr>
               <a:t>Sử dụng ít RAM</a:t>
             </a:r>
@@ -3932,8 +4060,8 @@
           <a:p>
             <a:r>
               <a:rPr lang="en-US" dirty="0" smtClean="0">
-                <a:latin typeface="Times New Roman" pitchFamily="18" charset="0"/>
-                <a:cs typeface="Times New Roman" pitchFamily="18" charset="0"/>
+                <a:latin typeface="Arial" pitchFamily="34" charset="0"/>
+                <a:cs typeface="Arial" pitchFamily="34" charset="0"/>
               </a:rPr>
               <a:t>Chi phí thấp</a:t>
             </a:r>
@@ -3941,14 +4069,14 @@
           <a:p>
             <a:r>
               <a:rPr lang="en-US" dirty="0" smtClean="0">
-                <a:latin typeface="Times New Roman" pitchFamily="18" charset="0"/>
-                <a:cs typeface="Times New Roman" pitchFamily="18" charset="0"/>
+                <a:latin typeface="Arial" pitchFamily="34" charset="0"/>
+                <a:cs typeface="Arial" pitchFamily="34" charset="0"/>
               </a:rPr>
               <a:t>Hiệu suất cao</a:t>
             </a:r>
             <a:endParaRPr lang="en-US" dirty="0">
-              <a:latin typeface="Times New Roman" pitchFamily="18" charset="0"/>
-              <a:cs typeface="Times New Roman" pitchFamily="18" charset="0"/>
+              <a:latin typeface="Arial" pitchFamily="34" charset="0"/>
+              <a:cs typeface="Arial" pitchFamily="34" charset="0"/>
             </a:endParaRPr>
           </a:p>
         </p:txBody>
@@ -3971,14 +4099,14 @@
             <a:pPr algn="ctr"/>
             <a:r>
               <a:rPr lang="en-US" dirty="0" smtClean="0">
-                <a:latin typeface="Times New Roman" pitchFamily="18" charset="0"/>
-                <a:cs typeface="Times New Roman" pitchFamily="18" charset="0"/>
+                <a:latin typeface="Arial" pitchFamily="34" charset="0"/>
+                <a:cs typeface="Arial" pitchFamily="34" charset="0"/>
               </a:rPr>
               <a:t>Nhược điểm</a:t>
             </a:r>
             <a:endParaRPr lang="en-US" dirty="0">
-              <a:latin typeface="Times New Roman" pitchFamily="18" charset="0"/>
-              <a:cs typeface="Times New Roman" pitchFamily="18" charset="0"/>
+              <a:latin typeface="Arial" pitchFamily="34" charset="0"/>
+              <a:cs typeface="Arial" pitchFamily="34" charset="0"/>
             </a:endParaRPr>
           </a:p>
         </p:txBody>
@@ -4000,14 +4128,14 @@
           <a:p>
             <a:r>
               <a:rPr lang="en-US" dirty="0" smtClean="0">
-                <a:latin typeface="Times New Roman" pitchFamily="18" charset="0"/>
-                <a:cs typeface="Times New Roman" pitchFamily="18" charset="0"/>
+                <a:latin typeface="Arial" pitchFamily="34" charset="0"/>
+                <a:cs typeface="Arial" pitchFamily="34" charset="0"/>
               </a:rPr>
               <a:t>Không có phương pháp cách ly phần cứng</a:t>
             </a:r>
             <a:endParaRPr lang="en-US" dirty="0">
-              <a:latin typeface="Times New Roman" pitchFamily="18" charset="0"/>
-              <a:cs typeface="Times New Roman" pitchFamily="18" charset="0"/>
+              <a:latin typeface="Arial" pitchFamily="34" charset="0"/>
+              <a:cs typeface="Arial" pitchFamily="34" charset="0"/>
             </a:endParaRPr>
           </a:p>
         </p:txBody>
@@ -4083,8 +4211,8 @@
                 <a:solidFill>
                   <a:srgbClr val="FF0000"/>
                 </a:solidFill>
-                <a:latin typeface="Times New Roman" pitchFamily="18" charset="0"/>
-                <a:cs typeface="Times New Roman" pitchFamily="18" charset="0"/>
+                <a:latin typeface="Arial" pitchFamily="34" charset="0"/>
+                <a:cs typeface="Arial" pitchFamily="34" charset="0"/>
               </a:rPr>
               <a:t>Ứng dụng của Docker</a:t>
             </a:r>
@@ -4092,8 +4220,8 @@
               <a:solidFill>
                 <a:srgbClr val="FF0000"/>
               </a:solidFill>
-              <a:latin typeface="Times New Roman" pitchFamily="18" charset="0"/>
-              <a:cs typeface="Times New Roman" pitchFamily="18" charset="0"/>
+              <a:latin typeface="Arial" pitchFamily="34" charset="0"/>
+              <a:cs typeface="Arial" pitchFamily="34" charset="0"/>
             </a:endParaRPr>
           </a:p>
         </p:txBody>
@@ -4115,14 +4243,14 @@
           <a:p>
             <a:r>
               <a:rPr lang="en-US" dirty="0" smtClean="0">
-                <a:latin typeface="Times New Roman" pitchFamily="18" charset="0"/>
-                <a:cs typeface="Times New Roman" pitchFamily="18" charset="0"/>
+                <a:latin typeface="Arial" pitchFamily="34" charset="0"/>
+                <a:cs typeface="Arial" pitchFamily="34" charset="0"/>
               </a:rPr>
               <a:t>Ứng dụng của Docker</a:t>
             </a:r>
             <a:endParaRPr lang="en-US" dirty="0">
-              <a:latin typeface="Times New Roman" pitchFamily="18" charset="0"/>
-              <a:cs typeface="Times New Roman" pitchFamily="18" charset="0"/>
+              <a:latin typeface="Arial" pitchFamily="34" charset="0"/>
+              <a:cs typeface="Arial" pitchFamily="34" charset="0"/>
             </a:endParaRPr>
           </a:p>
         </p:txBody>
@@ -4168,8 +4296,8 @@
                 <a:solidFill>
                   <a:srgbClr val="FFFF00"/>
                 </a:solidFill>
-                <a:latin typeface="Times New Roman" pitchFamily="18" charset="0"/>
-                <a:cs typeface="Times New Roman" pitchFamily="18" charset="0"/>
+                <a:latin typeface="Arial" pitchFamily="34" charset="0"/>
+                <a:cs typeface="Arial" pitchFamily="34" charset="0"/>
               </a:rPr>
               <a:t>Dockerizing</a:t>
             </a:r>
@@ -4177,8 +4305,8 @@
               <a:solidFill>
                 <a:srgbClr val="FFFF00"/>
               </a:solidFill>
-              <a:latin typeface="Times New Roman" pitchFamily="18" charset="0"/>
-              <a:cs typeface="Times New Roman" pitchFamily="18" charset="0"/>
+              <a:latin typeface="Arial" pitchFamily="34" charset="0"/>
+              <a:cs typeface="Arial" pitchFamily="34" charset="0"/>
             </a:endParaRPr>
           </a:p>
         </p:txBody>
@@ -4224,8 +4352,8 @@
                 <a:solidFill>
                   <a:srgbClr val="FFFF00"/>
                 </a:solidFill>
-                <a:latin typeface="Times New Roman" pitchFamily="18" charset="0"/>
-                <a:cs typeface="Times New Roman" pitchFamily="18" charset="0"/>
+                <a:latin typeface="Arial" pitchFamily="34" charset="0"/>
+                <a:cs typeface="Arial" pitchFamily="34" charset="0"/>
               </a:rPr>
               <a:t>Dockerfile</a:t>
             </a:r>
@@ -4233,8 +4361,8 @@
               <a:solidFill>
                 <a:srgbClr val="FFFF00"/>
               </a:solidFill>
-              <a:latin typeface="Times New Roman" pitchFamily="18" charset="0"/>
-              <a:cs typeface="Times New Roman" pitchFamily="18" charset="0"/>
+              <a:latin typeface="Arial" pitchFamily="34" charset="0"/>
+              <a:cs typeface="Arial" pitchFamily="34" charset="0"/>
             </a:endParaRPr>
           </a:p>
         </p:txBody>
@@ -4280,8 +4408,8 @@
                 <a:solidFill>
                   <a:srgbClr val="FFFF00"/>
                 </a:solidFill>
-                <a:latin typeface="Times New Roman" pitchFamily="18" charset="0"/>
-                <a:cs typeface="Times New Roman" pitchFamily="18" charset="0"/>
+                <a:latin typeface="Arial" pitchFamily="34" charset="0"/>
+                <a:cs typeface="Arial" pitchFamily="34" charset="0"/>
               </a:rPr>
               <a:t>Docker và phân phối</a:t>
             </a:r>
@@ -4289,8 +4417,8 @@
               <a:solidFill>
                 <a:srgbClr val="FFFF00"/>
               </a:solidFill>
-              <a:latin typeface="Times New Roman" pitchFamily="18" charset="0"/>
-              <a:cs typeface="Times New Roman" pitchFamily="18" charset="0"/>
+              <a:latin typeface="Arial" pitchFamily="34" charset="0"/>
+              <a:cs typeface="Arial" pitchFamily="34" charset="0"/>
             </a:endParaRPr>
           </a:p>
         </p:txBody>
@@ -4462,14 +4590,14 @@
           <a:p>
             <a:r>
               <a:rPr lang="en-US" dirty="0" smtClean="0">
-                <a:latin typeface="Times New Roman" pitchFamily="18" charset="0"/>
-                <a:cs typeface="Times New Roman" pitchFamily="18" charset="0"/>
+                <a:latin typeface="Arial" pitchFamily="34" charset="0"/>
+                <a:cs typeface="Arial" pitchFamily="34" charset="0"/>
               </a:rPr>
               <a:t>Kết luận</a:t>
             </a:r>
             <a:endParaRPr lang="en-US" dirty="0">
-              <a:latin typeface="Times New Roman" pitchFamily="18" charset="0"/>
-              <a:cs typeface="Times New Roman" pitchFamily="18" charset="0"/>
+              <a:latin typeface="Arial" pitchFamily="34" charset="0"/>
+              <a:cs typeface="Arial" pitchFamily="34" charset="0"/>
             </a:endParaRPr>
           </a:p>
         </p:txBody>
@@ -4491,35 +4619,31 @@
           <a:p>
             <a:r>
               <a:rPr lang="en-US" dirty="0">
-                <a:latin typeface="Times New Roman" pitchFamily="18" charset="0"/>
-                <a:cs typeface="Times New Roman" pitchFamily="18" charset="0"/>
+                <a:latin typeface="Arial" pitchFamily="34" charset="0"/>
+                <a:cs typeface="Arial" pitchFamily="34" charset="0"/>
               </a:rPr>
               <a:t>Docker đang đóng góp một phần quan trọng trong các dự án đến từ các tên tuổi lớn như Google, IBM và Red Hat. </a:t>
             </a:r>
             <a:endParaRPr lang="en-US" dirty="0" smtClean="0">
-              <a:latin typeface="Times New Roman" pitchFamily="18" charset="0"/>
-              <a:cs typeface="Times New Roman" pitchFamily="18" charset="0"/>
+              <a:latin typeface="Arial" pitchFamily="34" charset="0"/>
+              <a:cs typeface="Arial" pitchFamily="34" charset="0"/>
             </a:endParaRPr>
           </a:p>
           <a:p>
             <a:r>
               <a:rPr lang="en-US" dirty="0" smtClean="0">
-                <a:latin typeface="Times New Roman" pitchFamily="18" charset="0"/>
-                <a:cs typeface="Times New Roman" pitchFamily="18" charset="0"/>
+                <a:latin typeface="Arial" pitchFamily="34" charset="0"/>
+                <a:cs typeface="Arial" pitchFamily="34" charset="0"/>
               </a:rPr>
               <a:t>Trong </a:t>
             </a:r>
             <a:r>
               <a:rPr lang="en-US" dirty="0">
-                <a:latin typeface="Times New Roman" pitchFamily="18" charset="0"/>
-                <a:cs typeface="Times New Roman" pitchFamily="18" charset="0"/>
+                <a:latin typeface="Arial" pitchFamily="34" charset="0"/>
+                <a:cs typeface="Arial" pitchFamily="34" charset="0"/>
               </a:rPr>
               <a:t>tương lai, sự phát triển của Docker sẽ lan sang các lĩnh vực như mạng, lưu trữ và quản lý phiên bản hạt</a:t>
             </a:r>
-            <a:endParaRPr lang="en-US" dirty="0">
-              <a:latin typeface="Times New Roman" pitchFamily="18" charset="0"/>
-              <a:cs typeface="Times New Roman" pitchFamily="18" charset="0"/>
-            </a:endParaRPr>
           </a:p>
         </p:txBody>
       </p:sp>
